--- a/img/svm.pptx
+++ b/img/svm.pptx
@@ -2,18 +2,18 @@
 <file path=ppt/presentation.xml><?xml version="1.0" encoding="utf-8"?>
 <p:presentation xmlns:a="http://schemas.openxmlformats.org/drawingml/2006/main" xmlns:r="http://schemas.openxmlformats.org/officeDocument/2006/relationships" xmlns:p="http://schemas.openxmlformats.org/presentationml/2006/main" saveSubsetFonts="1" autoCompressPictures="0">
   <p:sldMasterIdLst>
-    <p:sldMasterId id="2147483684" r:id="rId1"/>
+    <p:sldMasterId id="2147483708" r:id="rId1"/>
   </p:sldMasterIdLst>
   <p:sldIdLst>
     <p:sldId id="256" r:id="rId2"/>
   </p:sldIdLst>
-  <p:sldSz cx="2879725" cy="2879725"/>
+  <p:sldSz cx="2879725" cy="2339975"/>
   <p:notesSz cx="6858000" cy="9144000"/>
   <p:defaultTextStyle>
     <a:defPPr>
       <a:defRPr lang="zh-CN"/>
     </a:defPPr>
-    <a:lvl1pPr marL="0" algn="l" defTabSz="276316" rtl="0" eaLnBrk="1" latinLnBrk="0" hangingPunct="1">
+    <a:lvl1pPr marL="0" algn="l" defTabSz="276287" rtl="0" eaLnBrk="1" latinLnBrk="0" hangingPunct="1">
       <a:defRPr sz="544" kern="1200">
         <a:solidFill>
           <a:schemeClr val="tx1"/>
@@ -23,7 +23,7 @@
         <a:cs typeface="+mn-cs"/>
       </a:defRPr>
     </a:lvl1pPr>
-    <a:lvl2pPr marL="138157" algn="l" defTabSz="276316" rtl="0" eaLnBrk="1" latinLnBrk="0" hangingPunct="1">
+    <a:lvl2pPr marL="138143" algn="l" defTabSz="276287" rtl="0" eaLnBrk="1" latinLnBrk="0" hangingPunct="1">
       <a:defRPr sz="544" kern="1200">
         <a:solidFill>
           <a:schemeClr val="tx1"/>
@@ -33,7 +33,7 @@
         <a:cs typeface="+mn-cs"/>
       </a:defRPr>
     </a:lvl2pPr>
-    <a:lvl3pPr marL="276316" algn="l" defTabSz="276316" rtl="0" eaLnBrk="1" latinLnBrk="0" hangingPunct="1">
+    <a:lvl3pPr marL="276287" algn="l" defTabSz="276287" rtl="0" eaLnBrk="1" latinLnBrk="0" hangingPunct="1">
       <a:defRPr sz="544" kern="1200">
         <a:solidFill>
           <a:schemeClr val="tx1"/>
@@ -43,7 +43,7 @@
         <a:cs typeface="+mn-cs"/>
       </a:defRPr>
     </a:lvl3pPr>
-    <a:lvl4pPr marL="414473" algn="l" defTabSz="276316" rtl="0" eaLnBrk="1" latinLnBrk="0" hangingPunct="1">
+    <a:lvl4pPr marL="414430" algn="l" defTabSz="276287" rtl="0" eaLnBrk="1" latinLnBrk="0" hangingPunct="1">
       <a:defRPr sz="544" kern="1200">
         <a:solidFill>
           <a:schemeClr val="tx1"/>
@@ -53,7 +53,7 @@
         <a:cs typeface="+mn-cs"/>
       </a:defRPr>
     </a:lvl4pPr>
-    <a:lvl5pPr marL="552631" algn="l" defTabSz="276316" rtl="0" eaLnBrk="1" latinLnBrk="0" hangingPunct="1">
+    <a:lvl5pPr marL="552574" algn="l" defTabSz="276287" rtl="0" eaLnBrk="1" latinLnBrk="0" hangingPunct="1">
       <a:defRPr sz="544" kern="1200">
         <a:solidFill>
           <a:schemeClr val="tx1"/>
@@ -63,7 +63,7 @@
         <a:cs typeface="+mn-cs"/>
       </a:defRPr>
     </a:lvl5pPr>
-    <a:lvl6pPr marL="690788" algn="l" defTabSz="276316" rtl="0" eaLnBrk="1" latinLnBrk="0" hangingPunct="1">
+    <a:lvl6pPr marL="690716" algn="l" defTabSz="276287" rtl="0" eaLnBrk="1" latinLnBrk="0" hangingPunct="1">
       <a:defRPr sz="544" kern="1200">
         <a:solidFill>
           <a:schemeClr val="tx1"/>
@@ -73,7 +73,7 @@
         <a:cs typeface="+mn-cs"/>
       </a:defRPr>
     </a:lvl6pPr>
-    <a:lvl7pPr marL="828946" algn="l" defTabSz="276316" rtl="0" eaLnBrk="1" latinLnBrk="0" hangingPunct="1">
+    <a:lvl7pPr marL="828860" algn="l" defTabSz="276287" rtl="0" eaLnBrk="1" latinLnBrk="0" hangingPunct="1">
       <a:defRPr sz="544" kern="1200">
         <a:solidFill>
           <a:schemeClr val="tx1"/>
@@ -83,7 +83,7 @@
         <a:cs typeface="+mn-cs"/>
       </a:defRPr>
     </a:lvl7pPr>
-    <a:lvl8pPr marL="967103" algn="l" defTabSz="276316" rtl="0" eaLnBrk="1" latinLnBrk="0" hangingPunct="1">
+    <a:lvl8pPr marL="967003" algn="l" defTabSz="276287" rtl="0" eaLnBrk="1" latinLnBrk="0" hangingPunct="1">
       <a:defRPr sz="544" kern="1200">
         <a:solidFill>
           <a:schemeClr val="tx1"/>
@@ -93,7 +93,7 @@
         <a:cs typeface="+mn-cs"/>
       </a:defRPr>
     </a:lvl8pPr>
-    <a:lvl9pPr marL="1105262" algn="l" defTabSz="276316" rtl="0" eaLnBrk="1" latinLnBrk="0" hangingPunct="1">
+    <a:lvl9pPr marL="1105147" algn="l" defTabSz="276287" rtl="0" eaLnBrk="1" latinLnBrk="0" hangingPunct="1">
       <a:defRPr sz="544" kern="1200">
         <a:solidFill>
           <a:schemeClr val="tx1"/>
@@ -104,6 +104,11 @@
       </a:defRPr>
     </a:lvl9pPr>
   </p:defaultTextStyle>
+  <p:extLst>
+    <p:ext uri="{EFAFB233-063F-42B5-8137-9DF3F51BA10A}">
+      <p15:sldGuideLst xmlns:p15="http://schemas.microsoft.com/office/powerpoint/2012/main"/>
+    </p:ext>
+  </p:extLst>
 </p:presentation>
 </file>
 
@@ -136,8 +141,8 @@
         </p:nvSpPr>
         <p:spPr>
           <a:xfrm>
-            <a:off x="215980" y="471289"/>
-            <a:ext cx="2447766" cy="1002571"/>
+            <a:off x="215980" y="382954"/>
+            <a:ext cx="2447766" cy="814658"/>
           </a:xfrm>
         </p:spPr>
         <p:txBody>
@@ -168,8 +173,8 @@
         </p:nvSpPr>
         <p:spPr>
           <a:xfrm>
-            <a:off x="359969" y="1512524"/>
-            <a:ext cx="2159793" cy="695267"/>
+            <a:off x="359966" y="1229029"/>
+            <a:ext cx="2159794" cy="564952"/>
           </a:xfrm>
         </p:spPr>
         <p:txBody>
@@ -179,35 +184,35 @@
               <a:buNone/>
               <a:defRPr sz="756"/>
             </a:lvl1pPr>
-            <a:lvl2pPr marL="143973" indent="0" algn="ctr">
+            <a:lvl2pPr marL="143972" indent="0" algn="ctr">
               <a:buNone/>
               <a:defRPr sz="630"/>
             </a:lvl2pPr>
-            <a:lvl3pPr marL="287948" indent="0" algn="ctr">
+            <a:lvl3pPr marL="287945" indent="0" algn="ctr">
               <a:buNone/>
               <a:defRPr sz="567"/>
             </a:lvl3pPr>
-            <a:lvl4pPr marL="431921" indent="0" algn="ctr">
+            <a:lvl4pPr marL="431917" indent="0" algn="ctr">
               <a:buNone/>
               <a:defRPr sz="504"/>
             </a:lvl4pPr>
-            <a:lvl5pPr marL="575895" indent="0" algn="ctr">
+            <a:lvl5pPr marL="575889" indent="0" algn="ctr">
               <a:buNone/>
               <a:defRPr sz="504"/>
             </a:lvl5pPr>
-            <a:lvl6pPr marL="719868" indent="0" algn="ctr">
+            <a:lvl6pPr marL="719861" indent="0" algn="ctr">
               <a:buNone/>
               <a:defRPr sz="504"/>
             </a:lvl6pPr>
-            <a:lvl7pPr marL="863843" indent="0" algn="ctr">
+            <a:lvl7pPr marL="863834" indent="0" algn="ctr">
               <a:buNone/>
               <a:defRPr sz="504"/>
             </a:lvl7pPr>
-            <a:lvl8pPr marL="1007816" indent="0" algn="ctr">
+            <a:lvl8pPr marL="1007806" indent="0" algn="ctr">
               <a:buNone/>
               <a:defRPr sz="504"/>
             </a:lvl8pPr>
-            <a:lvl9pPr marL="1151791" indent="0" algn="ctr">
+            <a:lvl9pPr marL="1151778" indent="0" algn="ctr">
               <a:buNone/>
               <a:defRPr sz="504"/>
             </a:lvl9pPr>
@@ -238,7 +243,7 @@
           <a:p>
             <a:fld id="{A690A0F2-A4F0-9F46-B39E-AF9CA066DCF4}" type="datetimeFigureOut">
               <a:rPr kumimoji="1" lang="zh-CN" altLang="en-US" smtClean="0"/>
-              <a:t>2019/3/14</a:t>
+              <a:t>2019/5/27</a:t>
             </a:fld>
             <a:endParaRPr kumimoji="1" lang="zh-CN" altLang="en-US"/>
           </a:p>
@@ -289,7 +294,7 @@
     </p:spTree>
     <p:extLst>
       <p:ext uri="{BB962C8B-B14F-4D97-AF65-F5344CB8AC3E}">
-        <p14:creationId xmlns:p14="http://schemas.microsoft.com/office/powerpoint/2010/main" val="628371967"/>
+        <p14:creationId xmlns:p14="http://schemas.microsoft.com/office/powerpoint/2010/main" val="493000234"/>
       </p:ext>
     </p:extLst>
   </p:cSld>
@@ -408,7 +413,7 @@
           <a:p>
             <a:fld id="{A690A0F2-A4F0-9F46-B39E-AF9CA066DCF4}" type="datetimeFigureOut">
               <a:rPr kumimoji="1" lang="zh-CN" altLang="en-US" smtClean="0"/>
-              <a:t>2019/3/14</a:t>
+              <a:t>2019/5/27</a:t>
             </a:fld>
             <a:endParaRPr kumimoji="1" lang="zh-CN" altLang="en-US"/>
           </a:p>
@@ -459,7 +464,7 @@
     </p:spTree>
     <p:extLst>
       <p:ext uri="{BB962C8B-B14F-4D97-AF65-F5344CB8AC3E}">
-        <p14:creationId xmlns:p14="http://schemas.microsoft.com/office/powerpoint/2010/main" val="1528111295"/>
+        <p14:creationId xmlns:p14="http://schemas.microsoft.com/office/powerpoint/2010/main" val="70456293"/>
       </p:ext>
     </p:extLst>
   </p:cSld>
@@ -498,8 +503,8 @@
         </p:nvSpPr>
         <p:spPr>
           <a:xfrm>
-            <a:off x="2060805" y="153319"/>
-            <a:ext cx="620941" cy="2440434"/>
+            <a:off x="2060803" y="124582"/>
+            <a:ext cx="620941" cy="1983021"/>
           </a:xfrm>
         </p:spPr>
         <p:txBody>
@@ -526,8 +531,8 @@
         </p:nvSpPr>
         <p:spPr>
           <a:xfrm>
-            <a:off x="197981" y="153319"/>
-            <a:ext cx="1826826" cy="2440434"/>
+            <a:off x="197981" y="124582"/>
+            <a:ext cx="1826826" cy="1983021"/>
           </a:xfrm>
         </p:spPr>
         <p:txBody>
@@ -588,7 +593,7 @@
           <a:p>
             <a:fld id="{A690A0F2-A4F0-9F46-B39E-AF9CA066DCF4}" type="datetimeFigureOut">
               <a:rPr kumimoji="1" lang="zh-CN" altLang="en-US" smtClean="0"/>
-              <a:t>2019/3/14</a:t>
+              <a:t>2019/5/27</a:t>
             </a:fld>
             <a:endParaRPr kumimoji="1" lang="zh-CN" altLang="en-US"/>
           </a:p>
@@ -639,7 +644,7 @@
     </p:spTree>
     <p:extLst>
       <p:ext uri="{BB962C8B-B14F-4D97-AF65-F5344CB8AC3E}">
-        <p14:creationId xmlns:p14="http://schemas.microsoft.com/office/powerpoint/2010/main" val="1209600592"/>
+        <p14:creationId xmlns:p14="http://schemas.microsoft.com/office/powerpoint/2010/main" val="895426954"/>
       </p:ext>
     </p:extLst>
   </p:cSld>
@@ -758,7 +763,7 @@
           <a:p>
             <a:fld id="{A690A0F2-A4F0-9F46-B39E-AF9CA066DCF4}" type="datetimeFigureOut">
               <a:rPr kumimoji="1" lang="zh-CN" altLang="en-US" smtClean="0"/>
-              <a:t>2019/3/14</a:t>
+              <a:t>2019/5/27</a:t>
             </a:fld>
             <a:endParaRPr kumimoji="1" lang="zh-CN" altLang="en-US"/>
           </a:p>
@@ -809,7 +814,7 @@
     </p:spTree>
     <p:extLst>
       <p:ext uri="{BB962C8B-B14F-4D97-AF65-F5344CB8AC3E}">
-        <p14:creationId xmlns:p14="http://schemas.microsoft.com/office/powerpoint/2010/main" val="1870557070"/>
+        <p14:creationId xmlns:p14="http://schemas.microsoft.com/office/powerpoint/2010/main" val="863022712"/>
       </p:ext>
     </p:extLst>
   </p:cSld>
@@ -848,8 +853,8 @@
         </p:nvSpPr>
         <p:spPr>
           <a:xfrm>
-            <a:off x="196484" y="717933"/>
-            <a:ext cx="2483763" cy="1197884"/>
+            <a:off x="196481" y="583370"/>
+            <a:ext cx="2483763" cy="973364"/>
           </a:xfrm>
         </p:spPr>
         <p:txBody>
@@ -880,8 +885,8 @@
         </p:nvSpPr>
         <p:spPr>
           <a:xfrm>
-            <a:off x="196484" y="1927152"/>
-            <a:ext cx="2483763" cy="629940"/>
+            <a:off x="196481" y="1565942"/>
+            <a:ext cx="2483763" cy="511869"/>
           </a:xfrm>
         </p:spPr>
         <p:txBody>
@@ -895,7 +900,7 @@
                 </a:solidFill>
               </a:defRPr>
             </a:lvl1pPr>
-            <a:lvl2pPr marL="143973" indent="0">
+            <a:lvl2pPr marL="143972" indent="0">
               <a:buNone/>
               <a:defRPr sz="630">
                 <a:solidFill>
@@ -905,7 +910,7 @@
                 </a:solidFill>
               </a:defRPr>
             </a:lvl2pPr>
-            <a:lvl3pPr marL="287948" indent="0">
+            <a:lvl3pPr marL="287945" indent="0">
               <a:buNone/>
               <a:defRPr sz="567">
                 <a:solidFill>
@@ -915,7 +920,7 @@
                 </a:solidFill>
               </a:defRPr>
             </a:lvl3pPr>
-            <a:lvl4pPr marL="431921" indent="0">
+            <a:lvl4pPr marL="431917" indent="0">
               <a:buNone/>
               <a:defRPr sz="504">
                 <a:solidFill>
@@ -925,7 +930,7 @@
                 </a:solidFill>
               </a:defRPr>
             </a:lvl4pPr>
-            <a:lvl5pPr marL="575895" indent="0">
+            <a:lvl5pPr marL="575889" indent="0">
               <a:buNone/>
               <a:defRPr sz="504">
                 <a:solidFill>
@@ -935,7 +940,7 @@
                 </a:solidFill>
               </a:defRPr>
             </a:lvl5pPr>
-            <a:lvl6pPr marL="719868" indent="0">
+            <a:lvl6pPr marL="719861" indent="0">
               <a:buNone/>
               <a:defRPr sz="504">
                 <a:solidFill>
@@ -945,7 +950,7 @@
                 </a:solidFill>
               </a:defRPr>
             </a:lvl6pPr>
-            <a:lvl7pPr marL="863843" indent="0">
+            <a:lvl7pPr marL="863834" indent="0">
               <a:buNone/>
               <a:defRPr sz="504">
                 <a:solidFill>
@@ -955,7 +960,7 @@
                 </a:solidFill>
               </a:defRPr>
             </a:lvl7pPr>
-            <a:lvl8pPr marL="1007816" indent="0">
+            <a:lvl8pPr marL="1007806" indent="0">
               <a:buNone/>
               <a:defRPr sz="504">
                 <a:solidFill>
@@ -965,7 +970,7 @@
                 </a:solidFill>
               </a:defRPr>
             </a:lvl8pPr>
-            <a:lvl9pPr marL="1151791" indent="0">
+            <a:lvl9pPr marL="1151778" indent="0">
               <a:buNone/>
               <a:defRPr sz="504">
                 <a:solidFill>
@@ -1002,7 +1007,7 @@
           <a:p>
             <a:fld id="{A690A0F2-A4F0-9F46-B39E-AF9CA066DCF4}" type="datetimeFigureOut">
               <a:rPr kumimoji="1" lang="zh-CN" altLang="en-US" smtClean="0"/>
-              <a:t>2019/3/14</a:t>
+              <a:t>2019/5/27</a:t>
             </a:fld>
             <a:endParaRPr kumimoji="1" lang="zh-CN" altLang="en-US"/>
           </a:p>
@@ -1053,7 +1058,7 @@
     </p:spTree>
     <p:extLst>
       <p:ext uri="{BB962C8B-B14F-4D97-AF65-F5344CB8AC3E}">
-        <p14:creationId xmlns:p14="http://schemas.microsoft.com/office/powerpoint/2010/main" val="1439567057"/>
+        <p14:creationId xmlns:p14="http://schemas.microsoft.com/office/powerpoint/2010/main" val="718168746"/>
       </p:ext>
     </p:extLst>
   </p:cSld>
@@ -1115,8 +1120,8 @@
         </p:nvSpPr>
         <p:spPr>
           <a:xfrm>
-            <a:off x="197984" y="766596"/>
-            <a:ext cx="1223883" cy="1827159"/>
+            <a:off x="197981" y="622910"/>
+            <a:ext cx="1223883" cy="1484693"/>
           </a:xfrm>
         </p:spPr>
         <p:txBody>
@@ -1172,8 +1177,8 @@
         </p:nvSpPr>
         <p:spPr>
           <a:xfrm>
-            <a:off x="1457864" y="766596"/>
-            <a:ext cx="1223883" cy="1827159"/>
+            <a:off x="1457861" y="622910"/>
+            <a:ext cx="1223883" cy="1484693"/>
           </a:xfrm>
         </p:spPr>
         <p:txBody>
@@ -1234,7 +1239,7 @@
           <a:p>
             <a:fld id="{A690A0F2-A4F0-9F46-B39E-AF9CA066DCF4}" type="datetimeFigureOut">
               <a:rPr kumimoji="1" lang="zh-CN" altLang="en-US" smtClean="0"/>
-              <a:t>2019/3/14</a:t>
+              <a:t>2019/5/27</a:t>
             </a:fld>
             <a:endParaRPr kumimoji="1" lang="zh-CN" altLang="en-US"/>
           </a:p>
@@ -1285,7 +1290,7 @@
     </p:spTree>
     <p:extLst>
       <p:ext uri="{BB962C8B-B14F-4D97-AF65-F5344CB8AC3E}">
-        <p14:creationId xmlns:p14="http://schemas.microsoft.com/office/powerpoint/2010/main" val="1252759897"/>
+        <p14:creationId xmlns:p14="http://schemas.microsoft.com/office/powerpoint/2010/main" val="1404017882"/>
       </p:ext>
     </p:extLst>
   </p:cSld>
@@ -1324,8 +1329,8 @@
         </p:nvSpPr>
         <p:spPr>
           <a:xfrm>
-            <a:off x="198360" y="153321"/>
-            <a:ext cx="2483763" cy="556614"/>
+            <a:off x="198356" y="124583"/>
+            <a:ext cx="2483763" cy="452287"/>
           </a:xfrm>
         </p:spPr>
         <p:txBody>
@@ -1352,8 +1357,8 @@
         </p:nvSpPr>
         <p:spPr>
           <a:xfrm>
-            <a:off x="198357" y="705933"/>
-            <a:ext cx="1218258" cy="345968"/>
+            <a:off x="198357" y="573619"/>
+            <a:ext cx="1218258" cy="281122"/>
           </a:xfrm>
         </p:spPr>
         <p:txBody>
@@ -1363,35 +1368,35 @@
               <a:buNone/>
               <a:defRPr sz="756" b="1"/>
             </a:lvl1pPr>
-            <a:lvl2pPr marL="143973" indent="0">
+            <a:lvl2pPr marL="143972" indent="0">
               <a:buNone/>
               <a:defRPr sz="630" b="1"/>
             </a:lvl2pPr>
-            <a:lvl3pPr marL="287948" indent="0">
+            <a:lvl3pPr marL="287945" indent="0">
               <a:buNone/>
               <a:defRPr sz="567" b="1"/>
             </a:lvl3pPr>
-            <a:lvl4pPr marL="431921" indent="0">
+            <a:lvl4pPr marL="431917" indent="0">
               <a:buNone/>
               <a:defRPr sz="504" b="1"/>
             </a:lvl4pPr>
-            <a:lvl5pPr marL="575895" indent="0">
+            <a:lvl5pPr marL="575889" indent="0">
               <a:buNone/>
               <a:defRPr sz="504" b="1"/>
             </a:lvl5pPr>
-            <a:lvl6pPr marL="719868" indent="0">
+            <a:lvl6pPr marL="719861" indent="0">
               <a:buNone/>
               <a:defRPr sz="504" b="1"/>
             </a:lvl6pPr>
-            <a:lvl7pPr marL="863843" indent="0">
+            <a:lvl7pPr marL="863834" indent="0">
               <a:buNone/>
               <a:defRPr sz="504" b="1"/>
             </a:lvl7pPr>
-            <a:lvl8pPr marL="1007816" indent="0">
+            <a:lvl8pPr marL="1007806" indent="0">
               <a:buNone/>
               <a:defRPr sz="504" b="1"/>
             </a:lvl8pPr>
-            <a:lvl9pPr marL="1151791" indent="0">
+            <a:lvl9pPr marL="1151778" indent="0">
               <a:buNone/>
               <a:defRPr sz="504" b="1"/>
             </a:lvl9pPr>
@@ -1417,8 +1422,8 @@
         </p:nvSpPr>
         <p:spPr>
           <a:xfrm>
-            <a:off x="198357" y="1051901"/>
-            <a:ext cx="1218258" cy="1547186"/>
+            <a:off x="198357" y="854741"/>
+            <a:ext cx="1218258" cy="1257195"/>
           </a:xfrm>
         </p:spPr>
         <p:txBody>
@@ -1474,8 +1479,8 @@
         </p:nvSpPr>
         <p:spPr>
           <a:xfrm>
-            <a:off x="1457862" y="705933"/>
-            <a:ext cx="1224258" cy="345968"/>
+            <a:off x="1457861" y="573619"/>
+            <a:ext cx="1224258" cy="281122"/>
           </a:xfrm>
         </p:spPr>
         <p:txBody>
@@ -1485,35 +1490,35 @@
               <a:buNone/>
               <a:defRPr sz="756" b="1"/>
             </a:lvl1pPr>
-            <a:lvl2pPr marL="143973" indent="0">
+            <a:lvl2pPr marL="143972" indent="0">
               <a:buNone/>
               <a:defRPr sz="630" b="1"/>
             </a:lvl2pPr>
-            <a:lvl3pPr marL="287948" indent="0">
+            <a:lvl3pPr marL="287945" indent="0">
               <a:buNone/>
               <a:defRPr sz="567" b="1"/>
             </a:lvl3pPr>
-            <a:lvl4pPr marL="431921" indent="0">
+            <a:lvl4pPr marL="431917" indent="0">
               <a:buNone/>
               <a:defRPr sz="504" b="1"/>
             </a:lvl4pPr>
-            <a:lvl5pPr marL="575895" indent="0">
+            <a:lvl5pPr marL="575889" indent="0">
               <a:buNone/>
               <a:defRPr sz="504" b="1"/>
             </a:lvl5pPr>
-            <a:lvl6pPr marL="719868" indent="0">
+            <a:lvl6pPr marL="719861" indent="0">
               <a:buNone/>
               <a:defRPr sz="504" b="1"/>
             </a:lvl6pPr>
-            <a:lvl7pPr marL="863843" indent="0">
+            <a:lvl7pPr marL="863834" indent="0">
               <a:buNone/>
               <a:defRPr sz="504" b="1"/>
             </a:lvl7pPr>
-            <a:lvl8pPr marL="1007816" indent="0">
+            <a:lvl8pPr marL="1007806" indent="0">
               <a:buNone/>
               <a:defRPr sz="504" b="1"/>
             </a:lvl8pPr>
-            <a:lvl9pPr marL="1151791" indent="0">
+            <a:lvl9pPr marL="1151778" indent="0">
               <a:buNone/>
               <a:defRPr sz="504" b="1"/>
             </a:lvl9pPr>
@@ -1539,8 +1544,8 @@
         </p:nvSpPr>
         <p:spPr>
           <a:xfrm>
-            <a:off x="1457862" y="1051901"/>
-            <a:ext cx="1224258" cy="1547186"/>
+            <a:off x="1457861" y="854741"/>
+            <a:ext cx="1224258" cy="1257195"/>
           </a:xfrm>
         </p:spPr>
         <p:txBody>
@@ -1601,7 +1606,7 @@
           <a:p>
             <a:fld id="{A690A0F2-A4F0-9F46-B39E-AF9CA066DCF4}" type="datetimeFigureOut">
               <a:rPr kumimoji="1" lang="zh-CN" altLang="en-US" smtClean="0"/>
-              <a:t>2019/3/14</a:t>
+              <a:t>2019/5/27</a:t>
             </a:fld>
             <a:endParaRPr kumimoji="1" lang="zh-CN" altLang="en-US"/>
           </a:p>
@@ -1652,7 +1657,7 @@
     </p:spTree>
     <p:extLst>
       <p:ext uri="{BB962C8B-B14F-4D97-AF65-F5344CB8AC3E}">
-        <p14:creationId xmlns:p14="http://schemas.microsoft.com/office/powerpoint/2010/main" val="1205913691"/>
+        <p14:creationId xmlns:p14="http://schemas.microsoft.com/office/powerpoint/2010/main" val="778229538"/>
       </p:ext>
     </p:extLst>
   </p:cSld>
@@ -1719,7 +1724,7 @@
           <a:p>
             <a:fld id="{A690A0F2-A4F0-9F46-B39E-AF9CA066DCF4}" type="datetimeFigureOut">
               <a:rPr kumimoji="1" lang="zh-CN" altLang="en-US" smtClean="0"/>
-              <a:t>2019/3/14</a:t>
+              <a:t>2019/5/27</a:t>
             </a:fld>
             <a:endParaRPr kumimoji="1" lang="zh-CN" altLang="en-US"/>
           </a:p>
@@ -1770,7 +1775,7 @@
     </p:spTree>
     <p:extLst>
       <p:ext uri="{BB962C8B-B14F-4D97-AF65-F5344CB8AC3E}">
-        <p14:creationId xmlns:p14="http://schemas.microsoft.com/office/powerpoint/2010/main" val="1988227898"/>
+        <p14:creationId xmlns:p14="http://schemas.microsoft.com/office/powerpoint/2010/main" val="1528434936"/>
       </p:ext>
     </p:extLst>
   </p:cSld>
@@ -1814,7 +1819,7 @@
           <a:p>
             <a:fld id="{A690A0F2-A4F0-9F46-B39E-AF9CA066DCF4}" type="datetimeFigureOut">
               <a:rPr kumimoji="1" lang="zh-CN" altLang="en-US" smtClean="0"/>
-              <a:t>2019/3/14</a:t>
+              <a:t>2019/5/27</a:t>
             </a:fld>
             <a:endParaRPr kumimoji="1" lang="zh-CN" altLang="en-US"/>
           </a:p>
@@ -1865,7 +1870,7 @@
     </p:spTree>
     <p:extLst>
       <p:ext uri="{BB962C8B-B14F-4D97-AF65-F5344CB8AC3E}">
-        <p14:creationId xmlns:p14="http://schemas.microsoft.com/office/powerpoint/2010/main" val="1300734366"/>
+        <p14:creationId xmlns:p14="http://schemas.microsoft.com/office/powerpoint/2010/main" val="206583938"/>
       </p:ext>
     </p:extLst>
   </p:cSld>
@@ -1904,8 +1909,8 @@
         </p:nvSpPr>
         <p:spPr>
           <a:xfrm>
-            <a:off x="198356" y="191982"/>
-            <a:ext cx="928786" cy="671937"/>
+            <a:off x="198356" y="155998"/>
+            <a:ext cx="928786" cy="545994"/>
           </a:xfrm>
         </p:spPr>
         <p:txBody>
@@ -1936,8 +1941,8 @@
         </p:nvSpPr>
         <p:spPr>
           <a:xfrm>
-            <a:off x="1224261" y="414629"/>
-            <a:ext cx="1457861" cy="2046470"/>
+            <a:off x="1224258" y="336914"/>
+            <a:ext cx="1457861" cy="1662899"/>
           </a:xfrm>
         </p:spPr>
         <p:txBody>
@@ -2021,8 +2026,8 @@
         </p:nvSpPr>
         <p:spPr>
           <a:xfrm>
-            <a:off x="198356" y="863921"/>
-            <a:ext cx="928786" cy="1600513"/>
+            <a:off x="198356" y="701992"/>
+            <a:ext cx="928786" cy="1300528"/>
           </a:xfrm>
         </p:spPr>
         <p:txBody>
@@ -2032,35 +2037,35 @@
               <a:buNone/>
               <a:defRPr sz="504"/>
             </a:lvl1pPr>
-            <a:lvl2pPr marL="143973" indent="0">
+            <a:lvl2pPr marL="143972" indent="0">
               <a:buNone/>
               <a:defRPr sz="441"/>
             </a:lvl2pPr>
-            <a:lvl3pPr marL="287948" indent="0">
+            <a:lvl3pPr marL="287945" indent="0">
               <a:buNone/>
               <a:defRPr sz="378"/>
             </a:lvl3pPr>
-            <a:lvl4pPr marL="431921" indent="0">
+            <a:lvl4pPr marL="431917" indent="0">
               <a:buNone/>
               <a:defRPr sz="315"/>
             </a:lvl4pPr>
-            <a:lvl5pPr marL="575895" indent="0">
+            <a:lvl5pPr marL="575889" indent="0">
               <a:buNone/>
               <a:defRPr sz="315"/>
             </a:lvl5pPr>
-            <a:lvl6pPr marL="719868" indent="0">
+            <a:lvl6pPr marL="719861" indent="0">
               <a:buNone/>
               <a:defRPr sz="315"/>
             </a:lvl6pPr>
-            <a:lvl7pPr marL="863843" indent="0">
+            <a:lvl7pPr marL="863834" indent="0">
               <a:buNone/>
               <a:defRPr sz="315"/>
             </a:lvl7pPr>
-            <a:lvl8pPr marL="1007816" indent="0">
+            <a:lvl8pPr marL="1007806" indent="0">
               <a:buNone/>
               <a:defRPr sz="315"/>
             </a:lvl8pPr>
-            <a:lvl9pPr marL="1151791" indent="0">
+            <a:lvl9pPr marL="1151778" indent="0">
               <a:buNone/>
               <a:defRPr sz="315"/>
             </a:lvl9pPr>
@@ -2091,7 +2096,7 @@
           <a:p>
             <a:fld id="{A690A0F2-A4F0-9F46-B39E-AF9CA066DCF4}" type="datetimeFigureOut">
               <a:rPr kumimoji="1" lang="zh-CN" altLang="en-US" smtClean="0"/>
-              <a:t>2019/3/14</a:t>
+              <a:t>2019/5/27</a:t>
             </a:fld>
             <a:endParaRPr kumimoji="1" lang="zh-CN" altLang="en-US"/>
           </a:p>
@@ -2142,7 +2147,7 @@
     </p:spTree>
     <p:extLst>
       <p:ext uri="{BB962C8B-B14F-4D97-AF65-F5344CB8AC3E}">
-        <p14:creationId xmlns:p14="http://schemas.microsoft.com/office/powerpoint/2010/main" val="58962902"/>
+        <p14:creationId xmlns:p14="http://schemas.microsoft.com/office/powerpoint/2010/main" val="1722672414"/>
       </p:ext>
     </p:extLst>
   </p:cSld>
@@ -2181,8 +2186,8 @@
         </p:nvSpPr>
         <p:spPr>
           <a:xfrm>
-            <a:off x="198356" y="191982"/>
-            <a:ext cx="928786" cy="671937"/>
+            <a:off x="198356" y="155998"/>
+            <a:ext cx="928786" cy="545994"/>
           </a:xfrm>
         </p:spPr>
         <p:txBody>
@@ -2213,8 +2218,8 @@
         </p:nvSpPr>
         <p:spPr>
           <a:xfrm>
-            <a:off x="1224261" y="414629"/>
-            <a:ext cx="1457861" cy="2046470"/>
+            <a:off x="1224258" y="336914"/>
+            <a:ext cx="1457861" cy="1662899"/>
           </a:xfrm>
         </p:spPr>
         <p:txBody>
@@ -2224,35 +2229,35 @@
               <a:buNone/>
               <a:defRPr sz="1008"/>
             </a:lvl1pPr>
-            <a:lvl2pPr marL="143973" indent="0">
+            <a:lvl2pPr marL="143972" indent="0">
               <a:buNone/>
               <a:defRPr sz="882"/>
             </a:lvl2pPr>
-            <a:lvl3pPr marL="287948" indent="0">
+            <a:lvl3pPr marL="287945" indent="0">
               <a:buNone/>
               <a:defRPr sz="756"/>
             </a:lvl3pPr>
-            <a:lvl4pPr marL="431921" indent="0">
+            <a:lvl4pPr marL="431917" indent="0">
               <a:buNone/>
               <a:defRPr sz="630"/>
             </a:lvl4pPr>
-            <a:lvl5pPr marL="575895" indent="0">
+            <a:lvl5pPr marL="575889" indent="0">
               <a:buNone/>
               <a:defRPr sz="630"/>
             </a:lvl5pPr>
-            <a:lvl6pPr marL="719868" indent="0">
+            <a:lvl6pPr marL="719861" indent="0">
               <a:buNone/>
               <a:defRPr sz="630"/>
             </a:lvl6pPr>
-            <a:lvl7pPr marL="863843" indent="0">
+            <a:lvl7pPr marL="863834" indent="0">
               <a:buNone/>
               <a:defRPr sz="630"/>
             </a:lvl7pPr>
-            <a:lvl8pPr marL="1007816" indent="0">
+            <a:lvl8pPr marL="1007806" indent="0">
               <a:buNone/>
               <a:defRPr sz="630"/>
             </a:lvl8pPr>
-            <a:lvl9pPr marL="1151791" indent="0">
+            <a:lvl9pPr marL="1151778" indent="0">
               <a:buNone/>
               <a:defRPr sz="630"/>
             </a:lvl9pPr>
@@ -2278,8 +2283,8 @@
         </p:nvSpPr>
         <p:spPr>
           <a:xfrm>
-            <a:off x="198356" y="863921"/>
-            <a:ext cx="928786" cy="1600513"/>
+            <a:off x="198356" y="701992"/>
+            <a:ext cx="928786" cy="1300528"/>
           </a:xfrm>
         </p:spPr>
         <p:txBody>
@@ -2289,35 +2294,35 @@
               <a:buNone/>
               <a:defRPr sz="504"/>
             </a:lvl1pPr>
-            <a:lvl2pPr marL="143973" indent="0">
+            <a:lvl2pPr marL="143972" indent="0">
               <a:buNone/>
               <a:defRPr sz="441"/>
             </a:lvl2pPr>
-            <a:lvl3pPr marL="287948" indent="0">
+            <a:lvl3pPr marL="287945" indent="0">
               <a:buNone/>
               <a:defRPr sz="378"/>
             </a:lvl3pPr>
-            <a:lvl4pPr marL="431921" indent="0">
+            <a:lvl4pPr marL="431917" indent="0">
               <a:buNone/>
               <a:defRPr sz="315"/>
             </a:lvl4pPr>
-            <a:lvl5pPr marL="575895" indent="0">
+            <a:lvl5pPr marL="575889" indent="0">
               <a:buNone/>
               <a:defRPr sz="315"/>
             </a:lvl5pPr>
-            <a:lvl6pPr marL="719868" indent="0">
+            <a:lvl6pPr marL="719861" indent="0">
               <a:buNone/>
               <a:defRPr sz="315"/>
             </a:lvl6pPr>
-            <a:lvl7pPr marL="863843" indent="0">
+            <a:lvl7pPr marL="863834" indent="0">
               <a:buNone/>
               <a:defRPr sz="315"/>
             </a:lvl7pPr>
-            <a:lvl8pPr marL="1007816" indent="0">
+            <a:lvl8pPr marL="1007806" indent="0">
               <a:buNone/>
               <a:defRPr sz="315"/>
             </a:lvl8pPr>
-            <a:lvl9pPr marL="1151791" indent="0">
+            <a:lvl9pPr marL="1151778" indent="0">
               <a:buNone/>
               <a:defRPr sz="315"/>
             </a:lvl9pPr>
@@ -2348,7 +2353,7 @@
           <a:p>
             <a:fld id="{A690A0F2-A4F0-9F46-B39E-AF9CA066DCF4}" type="datetimeFigureOut">
               <a:rPr kumimoji="1" lang="zh-CN" altLang="en-US" smtClean="0"/>
-              <a:t>2019/3/14</a:t>
+              <a:t>2019/5/27</a:t>
             </a:fld>
             <a:endParaRPr kumimoji="1" lang="zh-CN" altLang="en-US"/>
           </a:p>
@@ -2399,7 +2404,7 @@
     </p:spTree>
     <p:extLst>
       <p:ext uri="{BB962C8B-B14F-4D97-AF65-F5344CB8AC3E}">
-        <p14:creationId xmlns:p14="http://schemas.microsoft.com/office/powerpoint/2010/main" val="999532647"/>
+        <p14:creationId xmlns:p14="http://schemas.microsoft.com/office/powerpoint/2010/main" val="580733244"/>
       </p:ext>
     </p:extLst>
   </p:cSld>
@@ -2443,8 +2448,8 @@
         </p:nvSpPr>
         <p:spPr>
           <a:xfrm>
-            <a:off x="197984" y="153321"/>
-            <a:ext cx="2483763" cy="556614"/>
+            <a:off x="197981" y="124583"/>
+            <a:ext cx="2483763" cy="452287"/>
           </a:xfrm>
           <a:prstGeom prst="rect">
             <a:avLst/>
@@ -2476,8 +2481,8 @@
         </p:nvSpPr>
         <p:spPr>
           <a:xfrm>
-            <a:off x="197984" y="766596"/>
-            <a:ext cx="2483763" cy="1827159"/>
+            <a:off x="197981" y="622910"/>
+            <a:ext cx="2483763" cy="1484693"/>
           </a:xfrm>
           <a:prstGeom prst="rect">
             <a:avLst/>
@@ -2538,8 +2543,8 @@
         </p:nvSpPr>
         <p:spPr>
           <a:xfrm>
-            <a:off x="197982" y="2669081"/>
-            <a:ext cx="647938" cy="153319"/>
+            <a:off x="197981" y="2168811"/>
+            <a:ext cx="647938" cy="124582"/>
           </a:xfrm>
           <a:prstGeom prst="rect">
             <a:avLst/>
@@ -2561,7 +2566,7 @@
           <a:p>
             <a:fld id="{A690A0F2-A4F0-9F46-B39E-AF9CA066DCF4}" type="datetimeFigureOut">
               <a:rPr kumimoji="1" lang="zh-CN" altLang="en-US" smtClean="0"/>
-              <a:t>2019/3/14</a:t>
+              <a:t>2019/5/27</a:t>
             </a:fld>
             <a:endParaRPr kumimoji="1" lang="zh-CN" altLang="en-US"/>
           </a:p>
@@ -2579,8 +2584,8 @@
         </p:nvSpPr>
         <p:spPr>
           <a:xfrm>
-            <a:off x="953912" y="2669081"/>
-            <a:ext cx="971907" cy="153319"/>
+            <a:off x="953909" y="2168811"/>
+            <a:ext cx="971907" cy="124582"/>
           </a:xfrm>
           <a:prstGeom prst="rect">
             <a:avLst/>
@@ -2616,8 +2621,8 @@
         </p:nvSpPr>
         <p:spPr>
           <a:xfrm>
-            <a:off x="2033806" y="2669081"/>
-            <a:ext cx="647938" cy="153319"/>
+            <a:off x="2033806" y="2168811"/>
+            <a:ext cx="647938" cy="124582"/>
           </a:xfrm>
           <a:prstGeom prst="rect">
             <a:avLst/>
@@ -2648,27 +2653,27 @@
     </p:spTree>
     <p:extLst>
       <p:ext uri="{BB962C8B-B14F-4D97-AF65-F5344CB8AC3E}">
-        <p14:creationId xmlns:p14="http://schemas.microsoft.com/office/powerpoint/2010/main" val="697806662"/>
+        <p14:creationId xmlns:p14="http://schemas.microsoft.com/office/powerpoint/2010/main" val="1539440470"/>
       </p:ext>
     </p:extLst>
   </p:cSld>
   <p:clrMap bg1="lt1" tx1="dk1" bg2="lt2" tx2="dk2" accent1="accent1" accent2="accent2" accent3="accent3" accent4="accent4" accent5="accent5" accent6="accent6" hlink="hlink" folHlink="folHlink"/>
   <p:sldLayoutIdLst>
-    <p:sldLayoutId id="2147483685" r:id="rId1"/>
-    <p:sldLayoutId id="2147483686" r:id="rId2"/>
-    <p:sldLayoutId id="2147483687" r:id="rId3"/>
-    <p:sldLayoutId id="2147483688" r:id="rId4"/>
-    <p:sldLayoutId id="2147483689" r:id="rId5"/>
-    <p:sldLayoutId id="2147483690" r:id="rId6"/>
-    <p:sldLayoutId id="2147483691" r:id="rId7"/>
-    <p:sldLayoutId id="2147483692" r:id="rId8"/>
-    <p:sldLayoutId id="2147483693" r:id="rId9"/>
-    <p:sldLayoutId id="2147483694" r:id="rId10"/>
-    <p:sldLayoutId id="2147483695" r:id="rId11"/>
+    <p:sldLayoutId id="2147483709" r:id="rId1"/>
+    <p:sldLayoutId id="2147483710" r:id="rId2"/>
+    <p:sldLayoutId id="2147483711" r:id="rId3"/>
+    <p:sldLayoutId id="2147483712" r:id="rId4"/>
+    <p:sldLayoutId id="2147483713" r:id="rId5"/>
+    <p:sldLayoutId id="2147483714" r:id="rId6"/>
+    <p:sldLayoutId id="2147483715" r:id="rId7"/>
+    <p:sldLayoutId id="2147483716" r:id="rId8"/>
+    <p:sldLayoutId id="2147483717" r:id="rId9"/>
+    <p:sldLayoutId id="2147483718" r:id="rId10"/>
+    <p:sldLayoutId id="2147483719" r:id="rId11"/>
   </p:sldLayoutIdLst>
   <p:txStyles>
     <p:titleStyle>
-      <a:lvl1pPr algn="l" defTabSz="287948" rtl="0" eaLnBrk="1" latinLnBrk="0" hangingPunct="1">
+      <a:lvl1pPr algn="l" defTabSz="287945" rtl="0" eaLnBrk="1" latinLnBrk="0" hangingPunct="1">
         <a:lnSpc>
           <a:spcPct val="90000"/>
         </a:lnSpc>
@@ -2687,7 +2692,7 @@
       </a:lvl1pPr>
     </p:titleStyle>
     <p:bodyStyle>
-      <a:lvl1pPr marL="71987" indent="-71987" algn="l" defTabSz="287948" rtl="0" eaLnBrk="1" latinLnBrk="0" hangingPunct="1">
+      <a:lvl1pPr marL="71986" indent="-71986" algn="l" defTabSz="287945" rtl="0" eaLnBrk="1" latinLnBrk="0" hangingPunct="1">
         <a:lnSpc>
           <a:spcPct val="90000"/>
         </a:lnSpc>
@@ -2705,7 +2710,7 @@
           <a:cs typeface="+mn-cs"/>
         </a:defRPr>
       </a:lvl1pPr>
-      <a:lvl2pPr marL="215961" indent="-71987" algn="l" defTabSz="287948" rtl="0" eaLnBrk="1" latinLnBrk="0" hangingPunct="1">
+      <a:lvl2pPr marL="215958" indent="-71986" algn="l" defTabSz="287945" rtl="0" eaLnBrk="1" latinLnBrk="0" hangingPunct="1">
         <a:lnSpc>
           <a:spcPct val="90000"/>
         </a:lnSpc>
@@ -2723,7 +2728,7 @@
           <a:cs typeface="+mn-cs"/>
         </a:defRPr>
       </a:lvl2pPr>
-      <a:lvl3pPr marL="359935" indent="-71987" algn="l" defTabSz="287948" rtl="0" eaLnBrk="1" latinLnBrk="0" hangingPunct="1">
+      <a:lvl3pPr marL="359931" indent="-71986" algn="l" defTabSz="287945" rtl="0" eaLnBrk="1" latinLnBrk="0" hangingPunct="1">
         <a:lnSpc>
           <a:spcPct val="90000"/>
         </a:lnSpc>
@@ -2741,7 +2746,7 @@
           <a:cs typeface="+mn-cs"/>
         </a:defRPr>
       </a:lvl3pPr>
-      <a:lvl4pPr marL="503909" indent="-71987" algn="l" defTabSz="287948" rtl="0" eaLnBrk="1" latinLnBrk="0" hangingPunct="1">
+      <a:lvl4pPr marL="503903" indent="-71986" algn="l" defTabSz="287945" rtl="0" eaLnBrk="1" latinLnBrk="0" hangingPunct="1">
         <a:lnSpc>
           <a:spcPct val="90000"/>
         </a:lnSpc>
@@ -2759,7 +2764,7 @@
           <a:cs typeface="+mn-cs"/>
         </a:defRPr>
       </a:lvl4pPr>
-      <a:lvl5pPr marL="647882" indent="-71987" algn="l" defTabSz="287948" rtl="0" eaLnBrk="1" latinLnBrk="0" hangingPunct="1">
+      <a:lvl5pPr marL="647875" indent="-71986" algn="l" defTabSz="287945" rtl="0" eaLnBrk="1" latinLnBrk="0" hangingPunct="1">
         <a:lnSpc>
           <a:spcPct val="90000"/>
         </a:lnSpc>
@@ -2777,7 +2782,7 @@
           <a:cs typeface="+mn-cs"/>
         </a:defRPr>
       </a:lvl5pPr>
-      <a:lvl6pPr marL="791857" indent="-71987" algn="l" defTabSz="287948" rtl="0" eaLnBrk="1" latinLnBrk="0" hangingPunct="1">
+      <a:lvl6pPr marL="791848" indent="-71986" algn="l" defTabSz="287945" rtl="0" eaLnBrk="1" latinLnBrk="0" hangingPunct="1">
         <a:lnSpc>
           <a:spcPct val="90000"/>
         </a:lnSpc>
@@ -2795,7 +2800,7 @@
           <a:cs typeface="+mn-cs"/>
         </a:defRPr>
       </a:lvl6pPr>
-      <a:lvl7pPr marL="935830" indent="-71987" algn="l" defTabSz="287948" rtl="0" eaLnBrk="1" latinLnBrk="0" hangingPunct="1">
+      <a:lvl7pPr marL="935820" indent="-71986" algn="l" defTabSz="287945" rtl="0" eaLnBrk="1" latinLnBrk="0" hangingPunct="1">
         <a:lnSpc>
           <a:spcPct val="90000"/>
         </a:lnSpc>
@@ -2813,7 +2818,7 @@
           <a:cs typeface="+mn-cs"/>
         </a:defRPr>
       </a:lvl7pPr>
-      <a:lvl8pPr marL="1079804" indent="-71987" algn="l" defTabSz="287948" rtl="0" eaLnBrk="1" latinLnBrk="0" hangingPunct="1">
+      <a:lvl8pPr marL="1079792" indent="-71986" algn="l" defTabSz="287945" rtl="0" eaLnBrk="1" latinLnBrk="0" hangingPunct="1">
         <a:lnSpc>
           <a:spcPct val="90000"/>
         </a:lnSpc>
@@ -2831,7 +2836,7 @@
           <a:cs typeface="+mn-cs"/>
         </a:defRPr>
       </a:lvl8pPr>
-      <a:lvl9pPr marL="1223777" indent="-71987" algn="l" defTabSz="287948" rtl="0" eaLnBrk="1" latinLnBrk="0" hangingPunct="1">
+      <a:lvl9pPr marL="1223764" indent="-71986" algn="l" defTabSz="287945" rtl="0" eaLnBrk="1" latinLnBrk="0" hangingPunct="1">
         <a:lnSpc>
           <a:spcPct val="90000"/>
         </a:lnSpc>
@@ -2854,7 +2859,7 @@
       <a:defPPr>
         <a:defRPr lang="en-US"/>
       </a:defPPr>
-      <a:lvl1pPr marL="0" algn="l" defTabSz="287948" rtl="0" eaLnBrk="1" latinLnBrk="0" hangingPunct="1">
+      <a:lvl1pPr marL="0" algn="l" defTabSz="287945" rtl="0" eaLnBrk="1" latinLnBrk="0" hangingPunct="1">
         <a:defRPr sz="567" kern="1200">
           <a:solidFill>
             <a:schemeClr val="tx1"/>
@@ -2864,7 +2869,7 @@
           <a:cs typeface="+mn-cs"/>
         </a:defRPr>
       </a:lvl1pPr>
-      <a:lvl2pPr marL="143973" algn="l" defTabSz="287948" rtl="0" eaLnBrk="1" latinLnBrk="0" hangingPunct="1">
+      <a:lvl2pPr marL="143972" algn="l" defTabSz="287945" rtl="0" eaLnBrk="1" latinLnBrk="0" hangingPunct="1">
         <a:defRPr sz="567" kern="1200">
           <a:solidFill>
             <a:schemeClr val="tx1"/>
@@ -2874,7 +2879,7 @@
           <a:cs typeface="+mn-cs"/>
         </a:defRPr>
       </a:lvl2pPr>
-      <a:lvl3pPr marL="287948" algn="l" defTabSz="287948" rtl="0" eaLnBrk="1" latinLnBrk="0" hangingPunct="1">
+      <a:lvl3pPr marL="287945" algn="l" defTabSz="287945" rtl="0" eaLnBrk="1" latinLnBrk="0" hangingPunct="1">
         <a:defRPr sz="567" kern="1200">
           <a:solidFill>
             <a:schemeClr val="tx1"/>
@@ -2884,7 +2889,7 @@
           <a:cs typeface="+mn-cs"/>
         </a:defRPr>
       </a:lvl3pPr>
-      <a:lvl4pPr marL="431921" algn="l" defTabSz="287948" rtl="0" eaLnBrk="1" latinLnBrk="0" hangingPunct="1">
+      <a:lvl4pPr marL="431917" algn="l" defTabSz="287945" rtl="0" eaLnBrk="1" latinLnBrk="0" hangingPunct="1">
         <a:defRPr sz="567" kern="1200">
           <a:solidFill>
             <a:schemeClr val="tx1"/>
@@ -2894,7 +2899,7 @@
           <a:cs typeface="+mn-cs"/>
         </a:defRPr>
       </a:lvl4pPr>
-      <a:lvl5pPr marL="575895" algn="l" defTabSz="287948" rtl="0" eaLnBrk="1" latinLnBrk="0" hangingPunct="1">
+      <a:lvl5pPr marL="575889" algn="l" defTabSz="287945" rtl="0" eaLnBrk="1" latinLnBrk="0" hangingPunct="1">
         <a:defRPr sz="567" kern="1200">
           <a:solidFill>
             <a:schemeClr val="tx1"/>
@@ -2904,7 +2909,7 @@
           <a:cs typeface="+mn-cs"/>
         </a:defRPr>
       </a:lvl5pPr>
-      <a:lvl6pPr marL="719868" algn="l" defTabSz="287948" rtl="0" eaLnBrk="1" latinLnBrk="0" hangingPunct="1">
+      <a:lvl6pPr marL="719861" algn="l" defTabSz="287945" rtl="0" eaLnBrk="1" latinLnBrk="0" hangingPunct="1">
         <a:defRPr sz="567" kern="1200">
           <a:solidFill>
             <a:schemeClr val="tx1"/>
@@ -2914,7 +2919,7 @@
           <a:cs typeface="+mn-cs"/>
         </a:defRPr>
       </a:lvl6pPr>
-      <a:lvl7pPr marL="863843" algn="l" defTabSz="287948" rtl="0" eaLnBrk="1" latinLnBrk="0" hangingPunct="1">
+      <a:lvl7pPr marL="863834" algn="l" defTabSz="287945" rtl="0" eaLnBrk="1" latinLnBrk="0" hangingPunct="1">
         <a:defRPr sz="567" kern="1200">
           <a:solidFill>
             <a:schemeClr val="tx1"/>
@@ -2924,7 +2929,7 @@
           <a:cs typeface="+mn-cs"/>
         </a:defRPr>
       </a:lvl7pPr>
-      <a:lvl8pPr marL="1007816" algn="l" defTabSz="287948" rtl="0" eaLnBrk="1" latinLnBrk="0" hangingPunct="1">
+      <a:lvl8pPr marL="1007806" algn="l" defTabSz="287945" rtl="0" eaLnBrk="1" latinLnBrk="0" hangingPunct="1">
         <a:defRPr sz="567" kern="1200">
           <a:solidFill>
             <a:schemeClr val="tx1"/>
@@ -2934,7 +2939,7 @@
           <a:cs typeface="+mn-cs"/>
         </a:defRPr>
       </a:lvl8pPr>
-      <a:lvl9pPr marL="1151791" algn="l" defTabSz="287948" rtl="0" eaLnBrk="1" latinLnBrk="0" hangingPunct="1">
+      <a:lvl9pPr marL="1151778" algn="l" defTabSz="287945" rtl="0" eaLnBrk="1" latinLnBrk="0" hangingPunct="1">
         <a:defRPr sz="567" kern="1200">
           <a:solidFill>
             <a:schemeClr val="tx1"/>
@@ -2974,7 +2979,7 @@
         </p:nvCxnSpPr>
         <p:spPr>
           <a:xfrm flipV="1">
-            <a:off x="1434239" y="995858"/>
+            <a:off x="1434240" y="672824"/>
             <a:ext cx="122176" cy="7948"/>
           </a:xfrm>
           <a:prstGeom prst="line">
@@ -3011,7 +3016,7 @@
         </p:nvCxnSpPr>
         <p:spPr>
           <a:xfrm flipV="1">
-            <a:off x="1621159" y="2326912"/>
+            <a:off x="1621163" y="2003882"/>
             <a:ext cx="135057" cy="10197"/>
           </a:xfrm>
           <a:prstGeom prst="line">
@@ -3048,7 +3053,7 @@
         </p:nvCxnSpPr>
         <p:spPr>
           <a:xfrm>
-            <a:off x="1795543" y="1198776"/>
+            <a:off x="1795544" y="875746"/>
             <a:ext cx="244074" cy="103311"/>
           </a:xfrm>
           <a:prstGeom prst="line">
@@ -3085,7 +3090,7 @@
         </p:nvCxnSpPr>
         <p:spPr>
           <a:xfrm>
-            <a:off x="1133029" y="1947417"/>
+            <a:off x="1133034" y="1624382"/>
             <a:ext cx="293643" cy="124292"/>
           </a:xfrm>
           <a:prstGeom prst="line">
@@ -3122,7 +3127,7 @@
         </p:nvCxnSpPr>
         <p:spPr>
           <a:xfrm flipV="1">
-            <a:off x="489221" y="405712"/>
+            <a:off x="489221" y="82677"/>
             <a:ext cx="0" cy="2226366"/>
           </a:xfrm>
           <a:prstGeom prst="straightConnector1">
@@ -3158,7 +3163,7 @@
         </p:nvCxnSpPr>
         <p:spPr>
           <a:xfrm rot="5400000" flipV="1">
-            <a:off x="1432237" y="1320480"/>
+            <a:off x="1432237" y="997445"/>
             <a:ext cx="0" cy="2226366"/>
           </a:xfrm>
           <a:prstGeom prst="straightConnector1">
@@ -3194,7 +3199,7 @@
         </p:nvSpPr>
         <p:spPr>
           <a:xfrm>
-            <a:off x="880469" y="956524"/>
+            <a:off x="880473" y="633493"/>
             <a:ext cx="94579" cy="94579"/>
           </a:xfrm>
           <a:prstGeom prst="ellipse">
@@ -3247,7 +3252,7 @@
         </p:nvSpPr>
         <p:spPr>
           <a:xfrm>
-            <a:off x="793842" y="1666283"/>
+            <a:off x="793847" y="1343252"/>
             <a:ext cx="94579" cy="94579"/>
           </a:xfrm>
           <a:prstGeom prst="ellipse">
@@ -3300,7 +3305,7 @@
         </p:nvSpPr>
         <p:spPr>
           <a:xfrm>
-            <a:off x="1369477" y="956524"/>
+            <a:off x="1369481" y="633493"/>
             <a:ext cx="94579" cy="94579"/>
           </a:xfrm>
           <a:prstGeom prst="ellipse">
@@ -3353,7 +3358,7 @@
         </p:nvSpPr>
         <p:spPr>
           <a:xfrm>
-            <a:off x="1078458" y="1893203"/>
+            <a:off x="1078463" y="1570172"/>
             <a:ext cx="94579" cy="94579"/>
           </a:xfrm>
           <a:prstGeom prst="ellipse">
@@ -3406,7 +3411,7 @@
         </p:nvSpPr>
         <p:spPr>
           <a:xfrm>
-            <a:off x="976449" y="1410643"/>
+            <a:off x="976454" y="1087613"/>
             <a:ext cx="94579" cy="94579"/>
           </a:xfrm>
           <a:prstGeom prst="ellipse">
@@ -3459,7 +3464,7 @@
         </p:nvSpPr>
         <p:spPr>
           <a:xfrm>
-            <a:off x="1992339" y="1249775"/>
+            <a:off x="1992343" y="926744"/>
             <a:ext cx="94579" cy="94579"/>
           </a:xfrm>
           <a:prstGeom prst="ellipse">
@@ -3512,7 +3517,7 @@
         </p:nvSpPr>
         <p:spPr>
           <a:xfrm>
-            <a:off x="1215524" y="1305936"/>
+            <a:off x="1215528" y="982905"/>
             <a:ext cx="94579" cy="94579"/>
           </a:xfrm>
           <a:prstGeom prst="ellipse">
@@ -3565,7 +3570,7 @@
         </p:nvSpPr>
         <p:spPr>
           <a:xfrm>
-            <a:off x="2148857" y="1557326"/>
+            <a:off x="2148861" y="1234295"/>
             <a:ext cx="94579" cy="94579"/>
           </a:xfrm>
           <a:prstGeom prst="ellipse">
@@ -3616,7 +3621,7 @@
         </p:nvSpPr>
         <p:spPr>
           <a:xfrm>
-            <a:off x="1700974" y="2280811"/>
+            <a:off x="1700978" y="1957781"/>
             <a:ext cx="94579" cy="94579"/>
           </a:xfrm>
           <a:prstGeom prst="ellipse">
@@ -3669,7 +3674,7 @@
         </p:nvSpPr>
         <p:spPr>
           <a:xfrm>
-            <a:off x="2129154" y="2024520"/>
+            <a:off x="2129159" y="1701489"/>
             <a:ext cx="94579" cy="94579"/>
           </a:xfrm>
           <a:prstGeom prst="ellipse">
@@ -3720,7 +3725,7 @@
         </p:nvCxnSpPr>
         <p:spPr>
           <a:xfrm>
-            <a:off x="1158682" y="405717"/>
+            <a:off x="1158687" y="82687"/>
             <a:ext cx="413815" cy="2195367"/>
           </a:xfrm>
           <a:prstGeom prst="line">
@@ -3758,7 +3763,7 @@
         </p:nvCxnSpPr>
         <p:spPr>
           <a:xfrm>
-            <a:off x="1521959" y="371366"/>
+            <a:off x="1521959" y="48331"/>
             <a:ext cx="117256" cy="2229710"/>
           </a:xfrm>
           <a:prstGeom prst="line">
@@ -3793,7 +3798,7 @@
         </p:nvCxnSpPr>
         <p:spPr>
           <a:xfrm flipH="1">
-            <a:off x="1225990" y="487940"/>
+            <a:off x="1225990" y="164910"/>
             <a:ext cx="874196" cy="2077367"/>
           </a:xfrm>
           <a:prstGeom prst="line">
@@ -3830,7 +3835,7 @@
             </p:nvSpPr>
             <p:spPr>
               <a:xfrm>
-                <a:off x="785070" y="324076"/>
+                <a:off x="785071" y="1042"/>
                 <a:ext cx="430502" cy="338554"/>
               </a:xfrm>
               <a:prstGeom prst="rect">
@@ -3844,6 +3849,7 @@
               </a:bodyPr>
               <a:lstStyle/>
               <a:p>
+                <a:pPr/>
                 <a14:m>
                   <m:oMathPara xmlns:m="http://schemas.openxmlformats.org/officeDocument/2006/math">
                     <m:oMathParaPr>
@@ -3894,7 +3900,7 @@
             </p:nvSpPr>
             <p:spPr>
               <a:xfrm>
-                <a:off x="785070" y="324076"/>
+                <a:off x="785071" y="1042"/>
                 <a:ext cx="430502" cy="338554"/>
               </a:xfrm>
               <a:prstGeom prst="rect">
@@ -3932,7 +3938,7 @@
             </p:nvSpPr>
             <p:spPr>
               <a:xfrm>
-                <a:off x="1915574" y="633129"/>
+                <a:off x="1915578" y="310094"/>
                 <a:ext cx="435247" cy="338554"/>
               </a:xfrm>
               <a:prstGeom prst="rect">
@@ -3946,6 +3952,7 @@
               </a:bodyPr>
               <a:lstStyle/>
               <a:p>
+                <a:pPr/>
                 <a14:m>
                   <m:oMathPara xmlns:m="http://schemas.openxmlformats.org/officeDocument/2006/math">
                     <m:oMathParaPr>
@@ -3996,7 +4003,7 @@
             </p:nvSpPr>
             <p:spPr>
               <a:xfrm>
-                <a:off x="1915574" y="633129"/>
+                <a:off x="1915578" y="310094"/>
                 <a:ext cx="435247" cy="338554"/>
               </a:xfrm>
               <a:prstGeom prst="rect">
@@ -4034,7 +4041,7 @@
             </p:nvSpPr>
             <p:spPr>
               <a:xfrm>
-                <a:off x="1487394" y="291178"/>
+                <a:off x="1487396" y="-31857"/>
                 <a:ext cx="435247" cy="338554"/>
               </a:xfrm>
               <a:prstGeom prst="rect">
@@ -4048,6 +4055,7 @@
               </a:bodyPr>
               <a:lstStyle/>
               <a:p>
+                <a:pPr/>
                 <a14:m>
                   <m:oMathPara xmlns:m="http://schemas.openxmlformats.org/officeDocument/2006/math">
                     <m:oMathParaPr>
@@ -4098,7 +4106,7 @@
             </p:nvSpPr>
             <p:spPr>
               <a:xfrm>
-                <a:off x="1487394" y="291178"/>
+                <a:off x="1487396" y="-31857"/>
                 <a:ext cx="435247" cy="338554"/>
               </a:xfrm>
               <a:prstGeom prst="rect">
